--- a/images/theory_analysis/Istio_Sidecar/Istio_Sidecar.pptx
+++ b/images/theory_analysis/Istio_Sidecar/Istio_Sidecar.pptx
@@ -240,7 +240,7 @@
           <a:p>
             <a:fld id="{6CD5550B-26C4-49A9-A5BA-636EF7BE6CE9}" type="datetimeFigureOut">
               <a:rPr lang="ko-KR" altLang="en-US" smtClean="0"/>
-              <a:t>2020-12-31</a:t>
+              <a:t>2021-01-02</a:t>
             </a:fld>
             <a:endParaRPr lang="ko-KR" altLang="en-US"/>
           </a:p>
@@ -770,7 +770,7 @@
           <a:p>
             <a:fld id="{FB30EDBD-1C2D-4C1E-B459-B60219FAB484}" type="datetimeFigureOut">
               <a:rPr lang="ko-KR" altLang="en-US" smtClean="0"/>
-              <a:t>2020-12-31</a:t>
+              <a:t>2021-01-02</a:t>
             </a:fld>
             <a:endParaRPr lang="ko-KR" altLang="en-US"/>
           </a:p>
@@ -933,7 +933,7 @@
           <a:p>
             <a:fld id="{FB30EDBD-1C2D-4C1E-B459-B60219FAB484}" type="datetimeFigureOut">
               <a:rPr lang="ko-KR" altLang="en-US" smtClean="0"/>
-              <a:t>2020-12-31</a:t>
+              <a:t>2021-01-02</a:t>
             </a:fld>
             <a:endParaRPr lang="ko-KR" altLang="en-US"/>
           </a:p>
@@ -1106,7 +1106,7 @@
           <a:p>
             <a:fld id="{FB30EDBD-1C2D-4C1E-B459-B60219FAB484}" type="datetimeFigureOut">
               <a:rPr lang="ko-KR" altLang="en-US" smtClean="0"/>
-              <a:t>2020-12-31</a:t>
+              <a:t>2021-01-02</a:t>
             </a:fld>
             <a:endParaRPr lang="ko-KR" altLang="en-US"/>
           </a:p>
@@ -1269,7 +1269,7 @@
           <a:p>
             <a:fld id="{FB30EDBD-1C2D-4C1E-B459-B60219FAB484}" type="datetimeFigureOut">
               <a:rPr lang="ko-KR" altLang="en-US" smtClean="0"/>
-              <a:t>2020-12-31</a:t>
+              <a:t>2021-01-02</a:t>
             </a:fld>
             <a:endParaRPr lang="ko-KR" altLang="en-US"/>
           </a:p>
@@ -1509,7 +1509,7 @@
           <a:p>
             <a:fld id="{FB30EDBD-1C2D-4C1E-B459-B60219FAB484}" type="datetimeFigureOut">
               <a:rPr lang="ko-KR" altLang="en-US" smtClean="0"/>
-              <a:t>2020-12-31</a:t>
+              <a:t>2021-01-02</a:t>
             </a:fld>
             <a:endParaRPr lang="ko-KR" altLang="en-US"/>
           </a:p>
@@ -1789,7 +1789,7 @@
           <a:p>
             <a:fld id="{FB30EDBD-1C2D-4C1E-B459-B60219FAB484}" type="datetimeFigureOut">
               <a:rPr lang="ko-KR" altLang="en-US" smtClean="0"/>
-              <a:t>2020-12-31</a:t>
+              <a:t>2021-01-02</a:t>
             </a:fld>
             <a:endParaRPr lang="ko-KR" altLang="en-US"/>
           </a:p>
@@ -2203,7 +2203,7 @@
           <a:p>
             <a:fld id="{FB30EDBD-1C2D-4C1E-B459-B60219FAB484}" type="datetimeFigureOut">
               <a:rPr lang="ko-KR" altLang="en-US" smtClean="0"/>
-              <a:t>2020-12-31</a:t>
+              <a:t>2021-01-02</a:t>
             </a:fld>
             <a:endParaRPr lang="ko-KR" altLang="en-US"/>
           </a:p>
@@ -2315,7 +2315,7 @@
           <a:p>
             <a:fld id="{FB30EDBD-1C2D-4C1E-B459-B60219FAB484}" type="datetimeFigureOut">
               <a:rPr lang="ko-KR" altLang="en-US" smtClean="0"/>
-              <a:t>2020-12-31</a:t>
+              <a:t>2021-01-02</a:t>
             </a:fld>
             <a:endParaRPr lang="ko-KR" altLang="en-US"/>
           </a:p>
@@ -2405,7 +2405,7 @@
           <a:p>
             <a:fld id="{FB30EDBD-1C2D-4C1E-B459-B60219FAB484}" type="datetimeFigureOut">
               <a:rPr lang="ko-KR" altLang="en-US" smtClean="0"/>
-              <a:t>2020-12-31</a:t>
+              <a:t>2021-01-02</a:t>
             </a:fld>
             <a:endParaRPr lang="ko-KR" altLang="en-US"/>
           </a:p>
@@ -2675,7 +2675,7 @@
           <a:p>
             <a:fld id="{FB30EDBD-1C2D-4C1E-B459-B60219FAB484}" type="datetimeFigureOut">
               <a:rPr lang="ko-KR" altLang="en-US" smtClean="0"/>
-              <a:t>2020-12-31</a:t>
+              <a:t>2021-01-02</a:t>
             </a:fld>
             <a:endParaRPr lang="ko-KR" altLang="en-US"/>
           </a:p>
@@ -2922,7 +2922,7 @@
           <a:p>
             <a:fld id="{FB30EDBD-1C2D-4C1E-B459-B60219FAB484}" type="datetimeFigureOut">
               <a:rPr lang="ko-KR" altLang="en-US" smtClean="0"/>
-              <a:t>2020-12-31</a:t>
+              <a:t>2021-01-02</a:t>
             </a:fld>
             <a:endParaRPr lang="ko-KR" altLang="en-US"/>
           </a:p>
@@ -3128,7 +3128,7 @@
           <a:p>
             <a:fld id="{FB30EDBD-1C2D-4C1E-B459-B60219FAB484}" type="datetimeFigureOut">
               <a:rPr lang="ko-KR" altLang="en-US" smtClean="0"/>
-              <a:t>2020-12-31</a:t>
+              <a:t>2021-01-02</a:t>
             </a:fld>
             <a:endParaRPr lang="ko-KR" altLang="en-US"/>
           </a:p>
@@ -3500,10 +3500,54 @@
       </p:grpSpPr>
       <p:sp>
         <p:nvSpPr>
-          <p:cNvPr id="43" name="사각형: 둥근 모서리 42">
+          <p:cNvPr id="27" name="TextBox 26">
             <a:extLst>
               <a:ext uri="{FF2B5EF4-FFF2-40B4-BE49-F238E27FC236}">
-                <a16:creationId xmlns:a16="http://schemas.microsoft.com/office/drawing/2014/main" id="{7CB2DE4D-9961-4311-BF58-3C5512252A22}"/>
+                <a16:creationId xmlns:a16="http://schemas.microsoft.com/office/drawing/2014/main" id="{F51A94EE-5F69-4E5A-BCE1-214C7E2B2E2C}"/>
+              </a:ext>
+            </a:extLst>
+          </p:cNvPr>
+          <p:cNvSpPr txBox="1"/>
+          <p:nvPr/>
+        </p:nvSpPr>
+        <p:spPr>
+          <a:xfrm>
+            <a:off x="3603175" y="3089135"/>
+            <a:ext cx="1937650" cy="430887"/>
+          </a:xfrm>
+          <a:prstGeom prst="rect">
+            <a:avLst/>
+          </a:prstGeom>
+          <a:noFill/>
+        </p:spPr>
+        <p:txBody>
+          <a:bodyPr wrap="square" rtlCol="0" anchor="ctr">
+            <a:spAutoFit/>
+          </a:bodyPr>
+          <a:lstStyle/>
+          <a:p>
+            <a:pPr algn="ctr"/>
+            <a:r>
+              <a:rPr lang="en-US" altLang="ko-KR" sz="1100"/>
+              <a:t>HTTP/1.1, HTTP/2 </a:t>
+            </a:r>
+          </a:p>
+          <a:p>
+            <a:pPr algn="ctr"/>
+            <a:r>
+              <a:rPr lang="en-US" altLang="ko-KR" sz="1100"/>
+              <a:t>gRPC, TCP (with TLS)</a:t>
+            </a:r>
+            <a:endParaRPr lang="ko-KR" altLang="en-US" sz="1100"/>
+          </a:p>
+        </p:txBody>
+      </p:sp>
+      <p:sp>
+        <p:nvSpPr>
+          <p:cNvPr id="28" name="사각형: 둥근 모서리 27">
+            <a:extLst>
+              <a:ext uri="{FF2B5EF4-FFF2-40B4-BE49-F238E27FC236}">
+                <a16:creationId xmlns:a16="http://schemas.microsoft.com/office/drawing/2014/main" id="{4CC66953-6B9E-4221-BA6E-884E3BA3CE21}"/>
               </a:ext>
             </a:extLst>
           </p:cNvPr>
@@ -3512,11 +3556,13 @@
         </p:nvSpPr>
         <p:spPr>
           <a:xfrm>
-            <a:off x="2267742" y="1493098"/>
-            <a:ext cx="1584178" cy="330851"/>
+            <a:off x="2051720" y="2446908"/>
+            <a:ext cx="1745914" cy="1997034"/>
           </a:xfrm>
           <a:prstGeom prst="roundRect">
-            <a:avLst/>
+            <a:avLst>
+              <a:gd name="adj" fmla="val 5660"/>
+            </a:avLst>
           </a:prstGeom>
         </p:spPr>
         <p:style>
@@ -3534,62 +3580,24 @@
           </a:fontRef>
         </p:style>
         <p:txBody>
-          <a:bodyPr rtlCol="0" anchor="t"/>
+          <a:bodyPr rtlCol="0" anchor="b"/>
           <a:lstStyle/>
           <a:p>
             <a:pPr algn="ctr"/>
             <a:r>
-              <a:rPr lang="en-US" altLang="ko-KR" sz="1200"/>
-              <a:t>Istiod</a:t>
-            </a:r>
-            <a:endParaRPr lang="ko-KR" altLang="en-US" sz="1200"/>
-          </a:p>
-        </p:txBody>
-      </p:sp>
-      <p:sp>
-        <p:nvSpPr>
-          <p:cNvPr id="6" name="제목 1"/>
-          <p:cNvSpPr>
-            <a:spLocks noGrp="1"/>
-          </p:cNvSpPr>
-          <p:nvPr>
-            <p:ph type="title"/>
-          </p:nvPr>
-        </p:nvSpPr>
-        <p:spPr>
-          <a:xfrm>
-            <a:off x="457200" y="-20538"/>
-            <a:ext cx="8229600" cy="857250"/>
-          </a:xfrm>
-        </p:spPr>
-        <p:txBody>
-          <a:bodyPr>
-            <a:normAutofit/>
-          </a:bodyPr>
-          <a:lstStyle/>
-          <a:p>
-            <a:r>
-              <a:rPr lang="en-US" altLang="ko-KR"/>
-              <a:t>istio</a:t>
-            </a:r>
-            <a:r>
-              <a:rPr lang="ko-KR" altLang="en-US"/>
-              <a:t> </a:t>
-            </a:r>
-            <a:r>
-              <a:rPr lang="en-US" altLang="ko-KR"/>
-              <a:t>Architecture</a:t>
-            </a:r>
-            <a:endParaRPr lang="ko-KR" altLang="en-US" dirty="0"/>
-          </a:p>
-        </p:txBody>
-      </p:sp>
-      <p:sp>
-        <p:nvSpPr>
-          <p:cNvPr id="30" name="사각형: 둥근 모서리 29">
+              <a:rPr lang="en-US" altLang="ko-KR" sz="1400"/>
+              <a:t>App Pod</a:t>
+            </a:r>
+            <a:endParaRPr lang="ko-KR" altLang="en-US" sz="1400"/>
+          </a:p>
+        </p:txBody>
+      </p:sp>
+      <p:sp>
+        <p:nvSpPr>
+          <p:cNvPr id="29" name="사각형: 둥근 모서리 28">
             <a:extLst>
               <a:ext uri="{FF2B5EF4-FFF2-40B4-BE49-F238E27FC236}">
-                <a16:creationId xmlns:a16="http://schemas.microsoft.com/office/drawing/2014/main" id="{FDAB993D-810A-43AF-B447-9826BD957539}"/>
+                <a16:creationId xmlns:a16="http://schemas.microsoft.com/office/drawing/2014/main" id="{AB3E2E44-49B6-4030-8A0E-312B7516B6EE}"/>
               </a:ext>
             </a:extLst>
           </p:cNvPr>
@@ -3598,12 +3606,12 @@
         </p:nvSpPr>
         <p:spPr>
           <a:xfrm>
-            <a:off x="2267742" y="2499007"/>
-            <a:ext cx="1584178" cy="1584901"/>
+            <a:off x="2165163" y="2553112"/>
+            <a:ext cx="1519029" cy="947539"/>
           </a:xfrm>
           <a:prstGeom prst="roundRect">
             <a:avLst>
-              <a:gd name="adj" fmla="val 5660"/>
+              <a:gd name="adj" fmla="val 7777"/>
             </a:avLst>
           </a:prstGeom>
         </p:spPr>
@@ -3627,19 +3635,19 @@
           <a:p>
             <a:pPr algn="ctr"/>
             <a:r>
-              <a:rPr lang="en-US" altLang="ko-KR" sz="1400"/>
-              <a:t>Pod</a:t>
-            </a:r>
-            <a:endParaRPr lang="ko-KR" altLang="en-US" sz="1400"/>
-          </a:p>
-        </p:txBody>
-      </p:sp>
-      <p:sp>
-        <p:nvSpPr>
-          <p:cNvPr id="11" name="사각형: 둥근 모서리 10">
+              <a:rPr lang="en-US" altLang="ko-KR" sz="1200"/>
+              <a:t>Sidecar Container</a:t>
+            </a:r>
+            <a:endParaRPr lang="ko-KR" altLang="en-US" sz="1200"/>
+          </a:p>
+        </p:txBody>
+      </p:sp>
+      <p:sp>
+        <p:nvSpPr>
+          <p:cNvPr id="31" name="사각형: 둥근 모서리 30">
             <a:extLst>
               <a:ext uri="{FF2B5EF4-FFF2-40B4-BE49-F238E27FC236}">
-                <a16:creationId xmlns:a16="http://schemas.microsoft.com/office/drawing/2014/main" id="{D8946450-F94A-47A3-A7A0-768126968021}"/>
+                <a16:creationId xmlns:a16="http://schemas.microsoft.com/office/drawing/2014/main" id="{4A46BA17-5D21-43EF-9E40-0DF0F919393D}"/>
               </a:ext>
             </a:extLst>
           </p:cNvPr>
@@ -3648,11 +3656,13 @@
         </p:nvSpPr>
         <p:spPr>
           <a:xfrm>
-            <a:off x="2379512" y="2605211"/>
-            <a:ext cx="1378311" cy="465017"/>
+            <a:off x="2165163" y="3725038"/>
+            <a:ext cx="1519029" cy="430888"/>
           </a:xfrm>
           <a:prstGeom prst="roundRect">
-            <a:avLst/>
+            <a:avLst>
+              <a:gd name="adj" fmla="val 8434"/>
+            </a:avLst>
           </a:prstGeom>
         </p:spPr>
         <p:style>
@@ -3675,259 +3685,33 @@
           <a:p>
             <a:pPr algn="ctr"/>
             <a:r>
-              <a:rPr lang="en-US" altLang="ko-KR" sz="1200" b="1"/>
-              <a:t>Envoy Sidecar</a:t>
-            </a:r>
-          </a:p>
-          <a:p>
-            <a:pPr algn="ctr"/>
-            <a:r>
-              <a:rPr lang="en-US" altLang="ko-KR" sz="1200" b="1"/>
-              <a:t>Container</a:t>
-            </a:r>
-            <a:endParaRPr lang="ko-KR" altLang="en-US" sz="1200" b="1"/>
-          </a:p>
-        </p:txBody>
-      </p:sp>
-      <p:sp>
-        <p:nvSpPr>
-          <p:cNvPr id="12" name="사각형: 둥근 모서리 11">
+              <a:rPr lang="en-US" altLang="ko-KR" sz="1200"/>
+              <a:t>App Container (Service)</a:t>
+            </a:r>
+            <a:endParaRPr lang="ko-KR" altLang="en-US" sz="1200"/>
+          </a:p>
+        </p:txBody>
+      </p:sp>
+      <p:cxnSp>
+        <p:nvCxnSpPr>
+          <p:cNvPr id="32" name="직선 화살표 연결선 31">
             <a:extLst>
               <a:ext uri="{FF2B5EF4-FFF2-40B4-BE49-F238E27FC236}">
-                <a16:creationId xmlns:a16="http://schemas.microsoft.com/office/drawing/2014/main" id="{A05FEBB3-9237-4C4A-BBEA-ACF2D32063B2}"/>
-              </a:ext>
-            </a:extLst>
-          </p:cNvPr>
-          <p:cNvSpPr/>
-          <p:nvPr/>
-        </p:nvSpPr>
-        <p:spPr>
-          <a:xfrm>
-            <a:off x="2379512" y="3291830"/>
-            <a:ext cx="1378311" cy="504056"/>
-          </a:xfrm>
-          <a:prstGeom prst="roundRect">
-            <a:avLst>
-              <a:gd name="adj" fmla="val 8434"/>
-            </a:avLst>
-          </a:prstGeom>
-        </p:spPr>
-        <p:style>
-          <a:lnRef idx="2">
-            <a:schemeClr val="dk1"/>
-          </a:lnRef>
-          <a:fillRef idx="1">
-            <a:schemeClr val="lt1"/>
-          </a:fillRef>
-          <a:effectRef idx="0">
-            <a:schemeClr val="dk1"/>
-          </a:effectRef>
-          <a:fontRef idx="minor">
-            <a:schemeClr val="dk1"/>
-          </a:fontRef>
-        </p:style>
-        <p:txBody>
-          <a:bodyPr rtlCol="0" anchor="ctr"/>
-          <a:lstStyle/>
-          <a:p>
-            <a:pPr algn="ctr"/>
-            <a:r>
-              <a:rPr lang="en-US" altLang="ko-KR" sz="1200"/>
-              <a:t>App</a:t>
-            </a:r>
-          </a:p>
-          <a:p>
-            <a:pPr algn="ctr"/>
-            <a:r>
-              <a:rPr lang="en-US" altLang="ko-KR" sz="1200"/>
-              <a:t>Container</a:t>
-            </a:r>
-            <a:endParaRPr lang="ko-KR" altLang="en-US" sz="1200"/>
-          </a:p>
-        </p:txBody>
-      </p:sp>
-      <p:sp>
-        <p:nvSpPr>
-          <p:cNvPr id="13" name="사각형: 둥근 모서리 12">
-            <a:extLst>
-              <a:ext uri="{FF2B5EF4-FFF2-40B4-BE49-F238E27FC236}">
-                <a16:creationId xmlns:a16="http://schemas.microsoft.com/office/drawing/2014/main" id="{5CBB8B62-D9CC-4293-8B0D-4DD838D053B7}"/>
-              </a:ext>
-            </a:extLst>
-          </p:cNvPr>
-          <p:cNvSpPr/>
-          <p:nvPr/>
-        </p:nvSpPr>
-        <p:spPr>
-          <a:xfrm>
-            <a:off x="5292080" y="2499007"/>
-            <a:ext cx="1584178" cy="1584901"/>
-          </a:xfrm>
-          <a:prstGeom prst="roundRect">
-            <a:avLst>
-              <a:gd name="adj" fmla="val 5660"/>
-            </a:avLst>
-          </a:prstGeom>
-        </p:spPr>
-        <p:style>
-          <a:lnRef idx="2">
-            <a:schemeClr val="dk1"/>
-          </a:lnRef>
-          <a:fillRef idx="1">
-            <a:schemeClr val="lt1"/>
-          </a:fillRef>
-          <a:effectRef idx="0">
-            <a:schemeClr val="dk1"/>
-          </a:effectRef>
-          <a:fontRef idx="minor">
-            <a:schemeClr val="dk1"/>
-          </a:fontRef>
-        </p:style>
-        <p:txBody>
-          <a:bodyPr rtlCol="0" anchor="b"/>
-          <a:lstStyle/>
-          <a:p>
-            <a:pPr algn="ctr"/>
-            <a:r>
-              <a:rPr lang="en-US" altLang="ko-KR" sz="1400"/>
-              <a:t>Pod</a:t>
-            </a:r>
-            <a:endParaRPr lang="ko-KR" altLang="en-US" sz="1400"/>
-          </a:p>
-        </p:txBody>
-      </p:sp>
-      <p:sp>
-        <p:nvSpPr>
-          <p:cNvPr id="14" name="사각형: 둥근 모서리 13">
-            <a:extLst>
-              <a:ext uri="{FF2B5EF4-FFF2-40B4-BE49-F238E27FC236}">
-                <a16:creationId xmlns:a16="http://schemas.microsoft.com/office/drawing/2014/main" id="{5C84BC6B-636B-4C3B-86BA-31EECC0CB58A}"/>
-              </a:ext>
-            </a:extLst>
-          </p:cNvPr>
-          <p:cNvSpPr/>
-          <p:nvPr/>
-        </p:nvSpPr>
-        <p:spPr>
-          <a:xfrm>
-            <a:off x="5396040" y="2605211"/>
-            <a:ext cx="1378311" cy="465017"/>
-          </a:xfrm>
-          <a:prstGeom prst="roundRect">
-            <a:avLst/>
-          </a:prstGeom>
-        </p:spPr>
-        <p:style>
-          <a:lnRef idx="2">
-            <a:schemeClr val="dk1"/>
-          </a:lnRef>
-          <a:fillRef idx="1">
-            <a:schemeClr val="lt1"/>
-          </a:fillRef>
-          <a:effectRef idx="0">
-            <a:schemeClr val="dk1"/>
-          </a:effectRef>
-          <a:fontRef idx="minor">
-            <a:schemeClr val="dk1"/>
-          </a:fontRef>
-        </p:style>
-        <p:txBody>
-          <a:bodyPr rtlCol="0" anchor="ctr"/>
-          <a:lstStyle/>
-          <a:p>
-            <a:pPr algn="ctr"/>
-            <a:r>
-              <a:rPr lang="en-US" altLang="ko-KR" sz="1200" b="1"/>
-              <a:t>Envoy Sidecar</a:t>
-            </a:r>
-          </a:p>
-          <a:p>
-            <a:pPr algn="ctr"/>
-            <a:r>
-              <a:rPr lang="en-US" altLang="ko-KR" sz="1200" b="1"/>
-              <a:t>Container</a:t>
-            </a:r>
-            <a:endParaRPr lang="ko-KR" altLang="en-US" sz="1200" b="1"/>
-          </a:p>
-        </p:txBody>
-      </p:sp>
-      <p:sp>
-        <p:nvSpPr>
-          <p:cNvPr id="15" name="사각형: 둥근 모서리 14">
-            <a:extLst>
-              <a:ext uri="{FF2B5EF4-FFF2-40B4-BE49-F238E27FC236}">
-                <a16:creationId xmlns:a16="http://schemas.microsoft.com/office/drawing/2014/main" id="{82C8FB89-6702-4694-82CD-216649078B59}"/>
-              </a:ext>
-            </a:extLst>
-          </p:cNvPr>
-          <p:cNvSpPr/>
-          <p:nvPr/>
-        </p:nvSpPr>
-        <p:spPr>
-          <a:xfrm>
-            <a:off x="5396040" y="3291830"/>
-            <a:ext cx="1378311" cy="504056"/>
-          </a:xfrm>
-          <a:prstGeom prst="roundRect">
-            <a:avLst>
-              <a:gd name="adj" fmla="val 8434"/>
-            </a:avLst>
-          </a:prstGeom>
-        </p:spPr>
-        <p:style>
-          <a:lnRef idx="2">
-            <a:schemeClr val="dk1"/>
-          </a:lnRef>
-          <a:fillRef idx="1">
-            <a:schemeClr val="lt1"/>
-          </a:fillRef>
-          <a:effectRef idx="0">
-            <a:schemeClr val="dk1"/>
-          </a:effectRef>
-          <a:fontRef idx="minor">
-            <a:schemeClr val="dk1"/>
-          </a:fontRef>
-        </p:style>
-        <p:txBody>
-          <a:bodyPr rtlCol="0" anchor="ctr"/>
-          <a:lstStyle/>
-          <a:p>
-            <a:pPr algn="ctr"/>
-            <a:r>
-              <a:rPr lang="en-US" altLang="ko-KR" sz="1200"/>
-              <a:t>App</a:t>
-            </a:r>
-          </a:p>
-          <a:p>
-            <a:pPr algn="ctr"/>
-            <a:r>
-              <a:rPr lang="en-US" altLang="ko-KR" sz="1200"/>
-              <a:t>Container</a:t>
-            </a:r>
-            <a:endParaRPr lang="ko-KR" altLang="en-US" sz="1200"/>
-          </a:p>
-        </p:txBody>
-      </p:sp>
-      <p:cxnSp>
-        <p:nvCxnSpPr>
-          <p:cNvPr id="4" name="직선 화살표 연결선 3">
-            <a:extLst>
-              <a:ext uri="{FF2B5EF4-FFF2-40B4-BE49-F238E27FC236}">
-                <a16:creationId xmlns:a16="http://schemas.microsoft.com/office/drawing/2014/main" id="{730910B9-BECA-44DA-B857-FD6B9700E337}"/>
+                <a16:creationId xmlns:a16="http://schemas.microsoft.com/office/drawing/2014/main" id="{9FB94F97-C0B2-4DD4-907A-9C5E29FE44A8}"/>
               </a:ext>
             </a:extLst>
           </p:cNvPr>
           <p:cNvCxnSpPr>
             <a:cxnSpLocks/>
-            <a:stCxn id="11" idx="3"/>
-            <a:endCxn id="14" idx="1"/>
+            <a:stCxn id="29" idx="2"/>
+            <a:endCxn id="31" idx="0"/>
           </p:cNvCxnSpPr>
           <p:nvPr/>
         </p:nvCxnSpPr>
         <p:spPr>
           <a:xfrm>
-            <a:off x="3757823" y="2837720"/>
-            <a:ext cx="1638217" cy="0"/>
+            <a:off x="2924678" y="3500651"/>
+            <a:ext cx="0" cy="224387"/>
           </a:xfrm>
           <a:prstGeom prst="straightConnector1">
             <a:avLst/>
@@ -3957,68 +3741,420 @@
       </p:cxnSp>
       <p:sp>
         <p:nvSpPr>
-          <p:cNvPr id="18" name="TextBox 17">
+          <p:cNvPr id="35" name="사각형: 둥근 모서리 34">
             <a:extLst>
               <a:ext uri="{FF2B5EF4-FFF2-40B4-BE49-F238E27FC236}">
-                <a16:creationId xmlns:a16="http://schemas.microsoft.com/office/drawing/2014/main" id="{84669EE0-4BA2-435A-9F05-ACD4C5D654A3}"/>
+                <a16:creationId xmlns:a16="http://schemas.microsoft.com/office/drawing/2014/main" id="{3E0B76EF-2CA0-4C08-B94E-57B7DA812DB2}"/>
               </a:ext>
             </a:extLst>
           </p:cNvPr>
-          <p:cNvSpPr txBox="1"/>
+          <p:cNvSpPr/>
           <p:nvPr/>
         </p:nvSpPr>
         <p:spPr>
           <a:xfrm>
-            <a:off x="3603175" y="2786631"/>
-            <a:ext cx="1937650" cy="430887"/>
-          </a:xfrm>
-          <a:prstGeom prst="rect">
-            <a:avLst/>
+            <a:off x="2347606" y="2633299"/>
+            <a:ext cx="1154141" cy="216962"/>
+          </a:xfrm>
+          <a:prstGeom prst="roundRect">
+            <a:avLst>
+              <a:gd name="adj" fmla="val 19315"/>
+            </a:avLst>
           </a:prstGeom>
-          <a:noFill/>
-        </p:spPr>
-        <p:txBody>
-          <a:bodyPr wrap="square" rtlCol="0" anchor="ctr">
-            <a:spAutoFit/>
-          </a:bodyPr>
+        </p:spPr>
+        <p:style>
+          <a:lnRef idx="2">
+            <a:schemeClr val="dk1"/>
+          </a:lnRef>
+          <a:fillRef idx="1">
+            <a:schemeClr val="lt1"/>
+          </a:fillRef>
+          <a:effectRef idx="0">
+            <a:schemeClr val="dk1"/>
+          </a:effectRef>
+          <a:fontRef idx="minor">
+            <a:schemeClr val="dk1"/>
+          </a:fontRef>
+        </p:style>
+        <p:txBody>
+          <a:bodyPr rtlCol="0" anchor="ctr"/>
           <a:lstStyle/>
           <a:p>
             <a:pPr algn="ctr"/>
             <a:r>
-              <a:rPr lang="en-US" altLang="ko-KR" sz="1100"/>
-              <a:t>HTTP/1.1, HTTP/2 </a:t>
-            </a:r>
-          </a:p>
+              <a:rPr lang="en-US" altLang="ko-KR" sz="1200"/>
+              <a:t>pilot-agent</a:t>
+            </a:r>
+            <a:endParaRPr lang="ko-KR" altLang="en-US" sz="1100"/>
+          </a:p>
+        </p:txBody>
+      </p:sp>
+      <p:sp>
+        <p:nvSpPr>
+          <p:cNvPr id="36" name="사각형: 둥근 모서리 35">
+            <a:extLst>
+              <a:ext uri="{FF2B5EF4-FFF2-40B4-BE49-F238E27FC236}">
+                <a16:creationId xmlns:a16="http://schemas.microsoft.com/office/drawing/2014/main" id="{CBAC226A-45DA-4001-87E5-75EAC6DCE7AB}"/>
+              </a:ext>
+            </a:extLst>
+          </p:cNvPr>
+          <p:cNvSpPr/>
+          <p:nvPr/>
+        </p:nvSpPr>
+        <p:spPr>
+          <a:xfrm>
+            <a:off x="2347606" y="2993339"/>
+            <a:ext cx="1154141" cy="216962"/>
+          </a:xfrm>
+          <a:prstGeom prst="roundRect">
+            <a:avLst>
+              <a:gd name="adj" fmla="val 19315"/>
+            </a:avLst>
+          </a:prstGeom>
+        </p:spPr>
+        <p:style>
+          <a:lnRef idx="2">
+            <a:schemeClr val="dk1"/>
+          </a:lnRef>
+          <a:fillRef idx="1">
+            <a:schemeClr val="lt1"/>
+          </a:fillRef>
+          <a:effectRef idx="0">
+            <a:schemeClr val="dk1"/>
+          </a:effectRef>
+          <a:fontRef idx="minor">
+            <a:schemeClr val="dk1"/>
+          </a:fontRef>
+        </p:style>
+        <p:txBody>
+          <a:bodyPr rtlCol="0" anchor="ctr"/>
+          <a:lstStyle/>
           <a:p>
             <a:pPr algn="ctr"/>
             <a:r>
-              <a:rPr lang="en-US" altLang="ko-KR" sz="1100"/>
-              <a:t>gRPC, TCP (with TLS)</a:t>
+              <a:rPr lang="en-US" altLang="ko-KR" sz="1200"/>
+              <a:t>Envoy</a:t>
             </a:r>
             <a:endParaRPr lang="ko-KR" altLang="en-US" sz="1100"/>
+          </a:p>
+        </p:txBody>
+      </p:sp>
+      <p:sp>
+        <p:nvSpPr>
+          <p:cNvPr id="38" name="사각형: 둥근 모서리 37">
+            <a:extLst>
+              <a:ext uri="{FF2B5EF4-FFF2-40B4-BE49-F238E27FC236}">
+                <a16:creationId xmlns:a16="http://schemas.microsoft.com/office/drawing/2014/main" id="{4B5ABBBA-93BD-47F9-A2E2-87A9A890634B}"/>
+              </a:ext>
+            </a:extLst>
+          </p:cNvPr>
+          <p:cNvSpPr/>
+          <p:nvPr/>
+        </p:nvSpPr>
+        <p:spPr>
+          <a:xfrm>
+            <a:off x="5354329" y="2446908"/>
+            <a:ext cx="1745914" cy="1997037"/>
+          </a:xfrm>
+          <a:prstGeom prst="roundRect">
+            <a:avLst>
+              <a:gd name="adj" fmla="val 5660"/>
+            </a:avLst>
+          </a:prstGeom>
+        </p:spPr>
+        <p:style>
+          <a:lnRef idx="2">
+            <a:schemeClr val="dk1"/>
+          </a:lnRef>
+          <a:fillRef idx="1">
+            <a:schemeClr val="lt1"/>
+          </a:fillRef>
+          <a:effectRef idx="0">
+            <a:schemeClr val="dk1"/>
+          </a:effectRef>
+          <a:fontRef idx="minor">
+            <a:schemeClr val="dk1"/>
+          </a:fontRef>
+        </p:style>
+        <p:txBody>
+          <a:bodyPr rtlCol="0" anchor="b"/>
+          <a:lstStyle/>
+          <a:p>
+            <a:pPr algn="ctr"/>
+            <a:r>
+              <a:rPr lang="en-US" altLang="ko-KR" sz="1400"/>
+              <a:t>App Pod</a:t>
+            </a:r>
+            <a:endParaRPr lang="ko-KR" altLang="en-US" sz="1400"/>
+          </a:p>
+        </p:txBody>
+      </p:sp>
+      <p:sp>
+        <p:nvSpPr>
+          <p:cNvPr id="39" name="사각형: 둥근 모서리 38">
+            <a:extLst>
+              <a:ext uri="{FF2B5EF4-FFF2-40B4-BE49-F238E27FC236}">
+                <a16:creationId xmlns:a16="http://schemas.microsoft.com/office/drawing/2014/main" id="{A2A88B19-8B0E-4ACA-86A9-0B440B363930}"/>
+              </a:ext>
+            </a:extLst>
+          </p:cNvPr>
+          <p:cNvSpPr/>
+          <p:nvPr/>
+        </p:nvSpPr>
+        <p:spPr>
+          <a:xfrm>
+            <a:off x="5467772" y="2553112"/>
+            <a:ext cx="1519029" cy="947539"/>
+          </a:xfrm>
+          <a:prstGeom prst="roundRect">
+            <a:avLst>
+              <a:gd name="adj" fmla="val 7777"/>
+            </a:avLst>
+          </a:prstGeom>
+        </p:spPr>
+        <p:style>
+          <a:lnRef idx="2">
+            <a:schemeClr val="dk1"/>
+          </a:lnRef>
+          <a:fillRef idx="1">
+            <a:schemeClr val="lt1"/>
+          </a:fillRef>
+          <a:effectRef idx="0">
+            <a:schemeClr val="dk1"/>
+          </a:effectRef>
+          <a:fontRef idx="minor">
+            <a:schemeClr val="dk1"/>
+          </a:fontRef>
+        </p:style>
+        <p:txBody>
+          <a:bodyPr rtlCol="0" anchor="b"/>
+          <a:lstStyle/>
+          <a:p>
+            <a:pPr algn="ctr"/>
+            <a:r>
+              <a:rPr lang="en-US" altLang="ko-KR" sz="1200"/>
+              <a:t>Sidecar Container</a:t>
+            </a:r>
+            <a:endParaRPr lang="ko-KR" altLang="en-US" sz="1200"/>
+          </a:p>
+        </p:txBody>
+      </p:sp>
+      <p:sp>
+        <p:nvSpPr>
+          <p:cNvPr id="40" name="사각형: 둥근 모서리 39">
+            <a:extLst>
+              <a:ext uri="{FF2B5EF4-FFF2-40B4-BE49-F238E27FC236}">
+                <a16:creationId xmlns:a16="http://schemas.microsoft.com/office/drawing/2014/main" id="{FBB3890F-D332-4F2F-ABD3-DFBC87711C47}"/>
+              </a:ext>
+            </a:extLst>
+          </p:cNvPr>
+          <p:cNvSpPr/>
+          <p:nvPr/>
+        </p:nvSpPr>
+        <p:spPr>
+          <a:xfrm>
+            <a:off x="5467772" y="3725038"/>
+            <a:ext cx="1519029" cy="430888"/>
+          </a:xfrm>
+          <a:prstGeom prst="roundRect">
+            <a:avLst>
+              <a:gd name="adj" fmla="val 8434"/>
+            </a:avLst>
+          </a:prstGeom>
+        </p:spPr>
+        <p:style>
+          <a:lnRef idx="2">
+            <a:schemeClr val="dk1"/>
+          </a:lnRef>
+          <a:fillRef idx="1">
+            <a:schemeClr val="lt1"/>
+          </a:fillRef>
+          <a:effectRef idx="0">
+            <a:schemeClr val="dk1"/>
+          </a:effectRef>
+          <a:fontRef idx="minor">
+            <a:schemeClr val="dk1"/>
+          </a:fontRef>
+        </p:style>
+        <p:txBody>
+          <a:bodyPr rtlCol="0" anchor="ctr"/>
+          <a:lstStyle/>
+          <a:p>
+            <a:pPr algn="ctr"/>
+            <a:r>
+              <a:rPr lang="en-US" altLang="ko-KR" sz="1200"/>
+              <a:t>App Container (Service)</a:t>
+            </a:r>
+            <a:endParaRPr lang="ko-KR" altLang="en-US" sz="1200"/>
           </a:p>
         </p:txBody>
       </p:sp>
       <p:cxnSp>
         <p:nvCxnSpPr>
-          <p:cNvPr id="20" name="직선 화살표 연결선 19">
+          <p:cNvPr id="41" name="직선 화살표 연결선 40">
             <a:extLst>
               <a:ext uri="{FF2B5EF4-FFF2-40B4-BE49-F238E27FC236}">
-                <a16:creationId xmlns:a16="http://schemas.microsoft.com/office/drawing/2014/main" id="{FF296AC7-043E-4283-A0B2-C4601D195B9D}"/>
+                <a16:creationId xmlns:a16="http://schemas.microsoft.com/office/drawing/2014/main" id="{8FB853BF-1E40-4CAA-A450-A0D99FA93A5B}"/>
               </a:ext>
             </a:extLst>
           </p:cNvPr>
           <p:cNvCxnSpPr>
             <a:cxnSpLocks/>
-            <a:stCxn id="11" idx="2"/>
-            <a:endCxn id="12" idx="0"/>
+            <a:stCxn id="39" idx="2"/>
+            <a:endCxn id="40" idx="0"/>
           </p:cNvCxnSpPr>
           <p:nvPr/>
         </p:nvCxnSpPr>
         <p:spPr>
           <a:xfrm>
-            <a:off x="3068668" y="3070228"/>
-            <a:ext cx="0" cy="221602"/>
+            <a:off x="6227287" y="3500651"/>
+            <a:ext cx="0" cy="224387"/>
+          </a:xfrm>
+          <a:prstGeom prst="straightConnector1">
+            <a:avLst/>
+          </a:prstGeom>
+          <a:ln w="19050">
+            <a:solidFill>
+              <a:schemeClr val="tx1"/>
+            </a:solidFill>
+            <a:headEnd type="arrow" w="med" len="med"/>
+            <a:tailEnd type="arrow" w="med" len="med"/>
+          </a:ln>
+        </p:spPr>
+        <p:style>
+          <a:lnRef idx="1">
+            <a:schemeClr val="accent1"/>
+          </a:lnRef>
+          <a:fillRef idx="0">
+            <a:schemeClr val="accent1"/>
+          </a:fillRef>
+          <a:effectRef idx="0">
+            <a:schemeClr val="accent1"/>
+          </a:effectRef>
+          <a:fontRef idx="minor">
+            <a:schemeClr val="tx1"/>
+          </a:fontRef>
+        </p:style>
+      </p:cxnSp>
+      <p:sp>
+        <p:nvSpPr>
+          <p:cNvPr id="44" name="사각형: 둥근 모서리 43">
+            <a:extLst>
+              <a:ext uri="{FF2B5EF4-FFF2-40B4-BE49-F238E27FC236}">
+                <a16:creationId xmlns:a16="http://schemas.microsoft.com/office/drawing/2014/main" id="{0E65444A-A6D8-4712-9AEF-EB8943F16CA9}"/>
+              </a:ext>
+            </a:extLst>
+          </p:cNvPr>
+          <p:cNvSpPr/>
+          <p:nvPr/>
+        </p:nvSpPr>
+        <p:spPr>
+          <a:xfrm>
+            <a:off x="5650215" y="2633299"/>
+            <a:ext cx="1154141" cy="216962"/>
+          </a:xfrm>
+          <a:prstGeom prst="roundRect">
+            <a:avLst>
+              <a:gd name="adj" fmla="val 19315"/>
+            </a:avLst>
+          </a:prstGeom>
+        </p:spPr>
+        <p:style>
+          <a:lnRef idx="2">
+            <a:schemeClr val="dk1"/>
+          </a:lnRef>
+          <a:fillRef idx="1">
+            <a:schemeClr val="lt1"/>
+          </a:fillRef>
+          <a:effectRef idx="0">
+            <a:schemeClr val="dk1"/>
+          </a:effectRef>
+          <a:fontRef idx="minor">
+            <a:schemeClr val="dk1"/>
+          </a:fontRef>
+        </p:style>
+        <p:txBody>
+          <a:bodyPr rtlCol="0" anchor="ctr"/>
+          <a:lstStyle/>
+          <a:p>
+            <a:pPr algn="r"/>
+            <a:r>
+              <a:rPr lang="en-US" altLang="ko-KR" sz="1200"/>
+              <a:t>pilot-agent</a:t>
+            </a:r>
+            <a:endParaRPr lang="ko-KR" altLang="en-US" sz="1100"/>
+          </a:p>
+        </p:txBody>
+      </p:sp>
+      <p:sp>
+        <p:nvSpPr>
+          <p:cNvPr id="45" name="사각형: 둥근 모서리 44">
+            <a:extLst>
+              <a:ext uri="{FF2B5EF4-FFF2-40B4-BE49-F238E27FC236}">
+                <a16:creationId xmlns:a16="http://schemas.microsoft.com/office/drawing/2014/main" id="{2C0E144F-AEBA-476F-B0E5-844B1D5E6567}"/>
+              </a:ext>
+            </a:extLst>
+          </p:cNvPr>
+          <p:cNvSpPr/>
+          <p:nvPr/>
+        </p:nvSpPr>
+        <p:spPr>
+          <a:xfrm>
+            <a:off x="5650215" y="2993339"/>
+            <a:ext cx="1154141" cy="216962"/>
+          </a:xfrm>
+          <a:prstGeom prst="roundRect">
+            <a:avLst>
+              <a:gd name="adj" fmla="val 19315"/>
+            </a:avLst>
+          </a:prstGeom>
+        </p:spPr>
+        <p:style>
+          <a:lnRef idx="2">
+            <a:schemeClr val="dk1"/>
+          </a:lnRef>
+          <a:fillRef idx="1">
+            <a:schemeClr val="lt1"/>
+          </a:fillRef>
+          <a:effectRef idx="0">
+            <a:schemeClr val="dk1"/>
+          </a:effectRef>
+          <a:fontRef idx="minor">
+            <a:schemeClr val="dk1"/>
+          </a:fontRef>
+        </p:style>
+        <p:txBody>
+          <a:bodyPr rtlCol="0" anchor="ctr"/>
+          <a:lstStyle/>
+          <a:p>
+            <a:pPr algn="ctr"/>
+            <a:r>
+              <a:rPr lang="en-US" altLang="ko-KR" sz="1200"/>
+              <a:t>Envoy</a:t>
+            </a:r>
+            <a:endParaRPr lang="ko-KR" altLang="en-US" sz="1100"/>
+          </a:p>
+        </p:txBody>
+      </p:sp>
+      <p:cxnSp>
+        <p:nvCxnSpPr>
+          <p:cNvPr id="46" name="직선 화살표 연결선 45">
+            <a:extLst>
+              <a:ext uri="{FF2B5EF4-FFF2-40B4-BE49-F238E27FC236}">
+                <a16:creationId xmlns:a16="http://schemas.microsoft.com/office/drawing/2014/main" id="{762D2C0A-492A-4618-9F50-8013AF986A06}"/>
+              </a:ext>
+            </a:extLst>
+          </p:cNvPr>
+          <p:cNvCxnSpPr>
+            <a:cxnSpLocks/>
+            <a:endCxn id="45" idx="1"/>
+          </p:cNvCxnSpPr>
+          <p:nvPr/>
+        </p:nvCxnSpPr>
+        <p:spPr>
+          <a:xfrm>
+            <a:off x="3501747" y="3098510"/>
+            <a:ext cx="2148468" cy="3310"/>
           </a:xfrm>
           <a:prstGeom prst="straightConnector1">
             <a:avLst/>
@@ -4048,33 +4184,33 @@
       </p:cxnSp>
       <p:cxnSp>
         <p:nvCxnSpPr>
-          <p:cNvPr id="24" name="직선 화살표 연결선 23">
+          <p:cNvPr id="47" name="직선 화살표 연결선 46">
             <a:extLst>
               <a:ext uri="{FF2B5EF4-FFF2-40B4-BE49-F238E27FC236}">
-                <a16:creationId xmlns:a16="http://schemas.microsoft.com/office/drawing/2014/main" id="{79A52169-39C4-4BD1-8DE6-B4CE804C4B4E}"/>
+                <a16:creationId xmlns:a16="http://schemas.microsoft.com/office/drawing/2014/main" id="{6D8FE537-FECF-4F93-AE82-DF65C4E4B354}"/>
               </a:ext>
             </a:extLst>
           </p:cNvPr>
           <p:cNvCxnSpPr>
             <a:cxnSpLocks/>
-            <a:stCxn id="14" idx="2"/>
-            <a:endCxn id="15" idx="0"/>
+            <a:stCxn id="35" idx="2"/>
+            <a:endCxn id="36" idx="0"/>
           </p:cNvCxnSpPr>
           <p:nvPr/>
         </p:nvCxnSpPr>
         <p:spPr>
           <a:xfrm>
-            <a:off x="6085196" y="3070228"/>
-            <a:ext cx="0" cy="221602"/>
+            <a:off x="2924677" y="2850261"/>
+            <a:ext cx="0" cy="143078"/>
           </a:xfrm>
           <a:prstGeom prst="straightConnector1">
             <a:avLst/>
           </a:prstGeom>
           <a:ln w="19050">
             <a:solidFill>
-              <a:schemeClr val="tx1"/>
+              <a:srgbClr val="C00000"/>
             </a:solidFill>
-            <a:headEnd type="arrow" w="med" len="med"/>
+            <a:headEnd type="none" w="med" len="med"/>
             <a:tailEnd type="arrow" w="med" len="med"/>
           </a:ln>
         </p:spPr>
@@ -4095,22 +4231,24 @@
       </p:cxnSp>
       <p:cxnSp>
         <p:nvCxnSpPr>
-          <p:cNvPr id="26" name="직선 화살표 연결선 25">
+          <p:cNvPr id="49" name="직선 화살표 연결선 48">
             <a:extLst>
               <a:ext uri="{FF2B5EF4-FFF2-40B4-BE49-F238E27FC236}">
-                <a16:creationId xmlns:a16="http://schemas.microsoft.com/office/drawing/2014/main" id="{75E0FBB9-DFF7-4AD7-845D-42BB1D7A2F71}"/>
+                <a16:creationId xmlns:a16="http://schemas.microsoft.com/office/drawing/2014/main" id="{F6677BFD-10A6-416F-B066-9395BE0E0F55}"/>
               </a:ext>
             </a:extLst>
           </p:cNvPr>
           <p:cNvCxnSpPr>
             <a:cxnSpLocks/>
+            <a:stCxn id="44" idx="2"/>
+            <a:endCxn id="45" idx="0"/>
           </p:cNvCxnSpPr>
           <p:nvPr/>
         </p:nvCxnSpPr>
         <p:spPr>
           <a:xfrm>
-            <a:off x="2915816" y="2297721"/>
-            <a:ext cx="0" cy="307491"/>
+            <a:off x="6227286" y="2850261"/>
+            <a:ext cx="0" cy="143078"/>
           </a:xfrm>
           <a:prstGeom prst="straightConnector1">
             <a:avLst/>
@@ -4140,66 +4278,10 @@
       </p:cxnSp>
       <p:sp>
         <p:nvSpPr>
-          <p:cNvPr id="48" name="TextBox 47">
+          <p:cNvPr id="43" name="사각형: 둥근 모서리 42">
             <a:extLst>
               <a:ext uri="{FF2B5EF4-FFF2-40B4-BE49-F238E27FC236}">
-                <a16:creationId xmlns:a16="http://schemas.microsoft.com/office/drawing/2014/main" id="{32A6DA01-6CF3-428C-B318-828BF9D4A40C}"/>
-              </a:ext>
-            </a:extLst>
-          </p:cNvPr>
-          <p:cNvSpPr txBox="1"/>
-          <p:nvPr/>
-        </p:nvSpPr>
-        <p:spPr>
-          <a:xfrm>
-            <a:off x="3050660" y="1852831"/>
-            <a:ext cx="1857834" cy="430887"/>
-          </a:xfrm>
-          <a:prstGeom prst="rect">
-            <a:avLst/>
-          </a:prstGeom>
-          <a:noFill/>
-        </p:spPr>
-        <p:txBody>
-          <a:bodyPr wrap="square" rtlCol="0" anchor="ctr">
-            <a:spAutoFit/>
-          </a:bodyPr>
-          <a:lstStyle/>
-          <a:p>
-            <a:pPr algn="ctr"/>
-            <a:r>
-              <a:rPr lang="en-US" altLang="ko-KR" sz="1100">
-                <a:solidFill>
-                  <a:srgbClr val="C00000"/>
-                </a:solidFill>
-              </a:rPr>
-              <a:t>Service Info, Routing Info,</a:t>
-            </a:r>
-          </a:p>
-          <a:p>
-            <a:pPr algn="ctr"/>
-            <a:r>
-              <a:rPr lang="en-US" altLang="ko-KR" sz="1100">
-                <a:solidFill>
-                  <a:srgbClr val="C00000"/>
-                </a:solidFill>
-              </a:rPr>
-              <a:t>Policy, TLS Cert</a:t>
-            </a:r>
-            <a:endParaRPr lang="ko-KR" altLang="en-US" sz="1100">
-              <a:solidFill>
-                <a:srgbClr val="C00000"/>
-              </a:solidFill>
-            </a:endParaRPr>
-          </a:p>
-        </p:txBody>
-      </p:sp>
-      <p:sp>
-        <p:nvSpPr>
-          <p:cNvPr id="33" name="사각형: 둥근 모서리 32">
-            <a:extLst>
-              <a:ext uri="{FF2B5EF4-FFF2-40B4-BE49-F238E27FC236}">
-                <a16:creationId xmlns:a16="http://schemas.microsoft.com/office/drawing/2014/main" id="{D31B9ED0-5707-4315-A0C0-10C2C82C8609}"/>
+                <a16:creationId xmlns:a16="http://schemas.microsoft.com/office/drawing/2014/main" id="{7CB2DE4D-9961-4311-BF58-3C5512252A22}"/>
               </a:ext>
             </a:extLst>
           </p:cNvPr>
@@ -4208,8 +4290,8 @@
         </p:nvSpPr>
         <p:spPr>
           <a:xfrm>
-            <a:off x="4467328" y="1493098"/>
-            <a:ext cx="1109152" cy="335861"/>
+            <a:off x="2267742" y="1493098"/>
+            <a:ext cx="1584178" cy="330851"/>
           </a:xfrm>
           <a:prstGeom prst="roundRect">
             <a:avLst/>
@@ -4230,23 +4312,164 @@
           </a:fontRef>
         </p:style>
         <p:txBody>
-          <a:bodyPr rtlCol="0" anchor="ctr"/>
+          <a:bodyPr rtlCol="0" anchor="t"/>
           <a:lstStyle/>
           <a:p>
             <a:pPr algn="ctr"/>
             <a:r>
-              <a:rPr lang="en-US" altLang="ko-KR" sz="1100"/>
-              <a:t>Prometheus</a:t>
-            </a:r>
-          </a:p>
-        </p:txBody>
-      </p:sp>
-      <p:sp>
-        <p:nvSpPr>
-          <p:cNvPr id="34" name="사각형: 둥근 모서리 33">
+              <a:rPr lang="en-US" altLang="ko-KR" sz="1200"/>
+              <a:t>Istiod</a:t>
+            </a:r>
+            <a:endParaRPr lang="ko-KR" altLang="en-US" sz="1200"/>
+          </a:p>
+        </p:txBody>
+      </p:sp>
+      <p:sp>
+        <p:nvSpPr>
+          <p:cNvPr id="6" name="제목 1"/>
+          <p:cNvSpPr>
+            <a:spLocks noGrp="1"/>
+          </p:cNvSpPr>
+          <p:nvPr>
+            <p:ph type="title"/>
+          </p:nvPr>
+        </p:nvSpPr>
+        <p:spPr>
+          <a:xfrm>
+            <a:off x="457200" y="-20538"/>
+            <a:ext cx="8229600" cy="857250"/>
+          </a:xfrm>
+        </p:spPr>
+        <p:txBody>
+          <a:bodyPr>
+            <a:normAutofit/>
+          </a:bodyPr>
+          <a:lstStyle/>
+          <a:p>
+            <a:r>
+              <a:rPr lang="en-US" altLang="ko-KR"/>
+              <a:t>istio</a:t>
+            </a:r>
+            <a:r>
+              <a:rPr lang="ko-KR" altLang="en-US"/>
+              <a:t> </a:t>
+            </a:r>
+            <a:r>
+              <a:rPr lang="en-US" altLang="ko-KR"/>
+              <a:t>Architecture</a:t>
+            </a:r>
+            <a:endParaRPr lang="ko-KR" altLang="en-US" dirty="0"/>
+          </a:p>
+        </p:txBody>
+      </p:sp>
+      <p:cxnSp>
+        <p:nvCxnSpPr>
+          <p:cNvPr id="26" name="직선 화살표 연결선 25">
             <a:extLst>
               <a:ext uri="{FF2B5EF4-FFF2-40B4-BE49-F238E27FC236}">
-                <a16:creationId xmlns:a16="http://schemas.microsoft.com/office/drawing/2014/main" id="{122B5015-D6F5-4308-A827-7354EDAC721A}"/>
+                <a16:creationId xmlns:a16="http://schemas.microsoft.com/office/drawing/2014/main" id="{75E0FBB9-DFF7-4AD7-845D-42BB1D7A2F71}"/>
+              </a:ext>
+            </a:extLst>
+          </p:cNvPr>
+          <p:cNvCxnSpPr>
+            <a:cxnSpLocks/>
+            <a:endCxn id="35" idx="0"/>
+          </p:cNvCxnSpPr>
+          <p:nvPr/>
+        </p:nvCxnSpPr>
+        <p:spPr>
+          <a:xfrm>
+            <a:off x="2924677" y="2297312"/>
+            <a:ext cx="0" cy="335987"/>
+          </a:xfrm>
+          <a:prstGeom prst="straightConnector1">
+            <a:avLst/>
+          </a:prstGeom>
+          <a:ln w="19050">
+            <a:solidFill>
+              <a:srgbClr val="C00000"/>
+            </a:solidFill>
+            <a:headEnd type="none" w="med" len="med"/>
+            <a:tailEnd type="arrow" w="med" len="med"/>
+          </a:ln>
+        </p:spPr>
+        <p:style>
+          <a:lnRef idx="1">
+            <a:schemeClr val="accent1"/>
+          </a:lnRef>
+          <a:fillRef idx="0">
+            <a:schemeClr val="accent1"/>
+          </a:fillRef>
+          <a:effectRef idx="0">
+            <a:schemeClr val="accent1"/>
+          </a:effectRef>
+          <a:fontRef idx="minor">
+            <a:schemeClr val="tx1"/>
+          </a:fontRef>
+        </p:style>
+      </p:cxnSp>
+      <p:sp>
+        <p:nvSpPr>
+          <p:cNvPr id="48" name="TextBox 47">
+            <a:extLst>
+              <a:ext uri="{FF2B5EF4-FFF2-40B4-BE49-F238E27FC236}">
+                <a16:creationId xmlns:a16="http://schemas.microsoft.com/office/drawing/2014/main" id="{32A6DA01-6CF3-428C-B318-828BF9D4A40C}"/>
+              </a:ext>
+            </a:extLst>
+          </p:cNvPr>
+          <p:cNvSpPr txBox="1"/>
+          <p:nvPr/>
+        </p:nvSpPr>
+        <p:spPr>
+          <a:xfrm>
+            <a:off x="2699792" y="1852831"/>
+            <a:ext cx="1857834" cy="430887"/>
+          </a:xfrm>
+          <a:prstGeom prst="rect">
+            <a:avLst/>
+          </a:prstGeom>
+          <a:noFill/>
+        </p:spPr>
+        <p:txBody>
+          <a:bodyPr wrap="square" rtlCol="0" anchor="ctr">
+            <a:spAutoFit/>
+          </a:bodyPr>
+          <a:lstStyle/>
+          <a:p>
+            <a:pPr algn="ctr"/>
+            <a:r>
+              <a:rPr lang="en-US" altLang="ko-KR" sz="1100">
+                <a:solidFill>
+                  <a:srgbClr val="C00000"/>
+                </a:solidFill>
+              </a:rPr>
+              <a:t>Service Info,</a:t>
+            </a:r>
+          </a:p>
+          <a:p>
+            <a:pPr algn="ctr"/>
+            <a:r>
+              <a:rPr lang="en-US" altLang="ko-KR" sz="1100">
+                <a:solidFill>
+                  <a:srgbClr val="C00000"/>
+                </a:solidFill>
+              </a:rPr>
+              <a:t>Policy, TLS Cert</a:t>
+            </a:r>
+            <a:endParaRPr lang="ko-KR" altLang="en-US" sz="1100">
+              <a:solidFill>
+                <a:srgbClr val="C00000"/>
+              </a:solidFill>
+            </a:endParaRPr>
+          </a:p>
+        </p:txBody>
+      </p:sp>
+      <p:sp>
+        <p:nvSpPr>
+          <p:cNvPr id="33" name="사각형: 둥근 모서리 32">
+            <a:extLst>
+              <a:ext uri="{FF2B5EF4-FFF2-40B4-BE49-F238E27FC236}">
+                <a16:creationId xmlns:a16="http://schemas.microsoft.com/office/drawing/2014/main" id="{D31B9ED0-5707-4315-A0C0-10C2C82C8609}"/>
               </a:ext>
             </a:extLst>
           </p:cNvPr>
@@ -4255,7 +4478,7 @@
         </p:nvSpPr>
         <p:spPr>
           <a:xfrm>
-            <a:off x="5767106" y="1491630"/>
+            <a:off x="4467328" y="1493098"/>
             <a:ext cx="1109152" cy="335861"/>
           </a:xfrm>
           <a:prstGeom prst="roundRect">
@@ -4283,6 +4506,53 @@
             <a:pPr algn="ctr"/>
             <a:r>
               <a:rPr lang="en-US" altLang="ko-KR" sz="1100"/>
+              <a:t>Prometheus</a:t>
+            </a:r>
+          </a:p>
+        </p:txBody>
+      </p:sp>
+      <p:sp>
+        <p:nvSpPr>
+          <p:cNvPr id="34" name="사각형: 둥근 모서리 33">
+            <a:extLst>
+              <a:ext uri="{FF2B5EF4-FFF2-40B4-BE49-F238E27FC236}">
+                <a16:creationId xmlns:a16="http://schemas.microsoft.com/office/drawing/2014/main" id="{122B5015-D6F5-4308-A827-7354EDAC721A}"/>
+              </a:ext>
+            </a:extLst>
+          </p:cNvPr>
+          <p:cNvSpPr/>
+          <p:nvPr/>
+        </p:nvSpPr>
+        <p:spPr>
+          <a:xfrm>
+            <a:off x="5767106" y="1491630"/>
+            <a:ext cx="1109152" cy="335861"/>
+          </a:xfrm>
+          <a:prstGeom prst="roundRect">
+            <a:avLst/>
+          </a:prstGeom>
+        </p:spPr>
+        <p:style>
+          <a:lnRef idx="2">
+            <a:schemeClr val="dk1"/>
+          </a:lnRef>
+          <a:fillRef idx="1">
+            <a:schemeClr val="lt1"/>
+          </a:fillRef>
+          <a:effectRef idx="0">
+            <a:schemeClr val="dk1"/>
+          </a:effectRef>
+          <a:fontRef idx="minor">
+            <a:schemeClr val="dk1"/>
+          </a:fontRef>
+        </p:style>
+        <p:txBody>
+          <a:bodyPr rtlCol="0" anchor="ctr"/>
+          <a:lstStyle/>
+          <a:p>
+            <a:pPr algn="ctr"/>
+            <a:r>
+              <a:rPr lang="en-US" altLang="ko-KR" sz="1100"/>
               <a:t>Jaeger</a:t>
             </a:r>
           </a:p>
@@ -4305,7 +4575,7 @@
         <p:spPr>
           <a:xfrm>
             <a:off x="2915816" y="2297721"/>
-            <a:ext cx="3016528" cy="0"/>
+            <a:ext cx="3311469" cy="0"/>
           </a:xfrm>
           <a:prstGeom prst="straightConnector1">
             <a:avLst/>
@@ -4344,13 +4614,14 @@
           </p:cNvPr>
           <p:cNvCxnSpPr>
             <a:cxnSpLocks/>
+            <a:endCxn id="44" idx="0"/>
           </p:cNvCxnSpPr>
           <p:nvPr/>
         </p:nvCxnSpPr>
         <p:spPr>
           <a:xfrm>
-            <a:off x="5932344" y="2297721"/>
-            <a:ext cx="0" cy="307491"/>
+            <a:off x="6227286" y="2296253"/>
+            <a:ext cx="0" cy="337046"/>
           </a:xfrm>
           <a:prstGeom prst="straightConnector1">
             <a:avLst/>
@@ -4440,8 +4711,8 @@
         </p:nvCxnSpPr>
         <p:spPr>
           <a:xfrm>
-            <a:off x="3211656" y="2378845"/>
-            <a:ext cx="0" cy="226367"/>
+            <a:off x="3275856" y="2355726"/>
+            <a:ext cx="0" cy="277573"/>
           </a:xfrm>
           <a:prstGeom prst="straightConnector1">
             <a:avLst/>
@@ -4485,8 +4756,8 @@
         </p:nvCxnSpPr>
         <p:spPr>
           <a:xfrm>
-            <a:off x="3211656" y="2378845"/>
-            <a:ext cx="3110026" cy="0"/>
+            <a:off x="3275856" y="2355726"/>
+            <a:ext cx="3045826" cy="0"/>
           </a:xfrm>
           <a:prstGeom prst="straightConnector1">
             <a:avLst/>
@@ -4530,8 +4801,8 @@
         </p:nvCxnSpPr>
         <p:spPr>
           <a:xfrm>
-            <a:off x="6228184" y="2378845"/>
-            <a:ext cx="0" cy="226367"/>
+            <a:off x="5842744" y="2355726"/>
+            <a:ext cx="0" cy="277573"/>
           </a:xfrm>
           <a:prstGeom prst="straightConnector1">
             <a:avLst/>
@@ -4573,7 +4844,7 @@
         </p:nvSpPr>
         <p:spPr>
           <a:xfrm>
-            <a:off x="6097152" y="2115324"/>
+            <a:off x="6107520" y="2099744"/>
             <a:ext cx="928296" cy="261610"/>
           </a:xfrm>
           <a:prstGeom prst="rect">
@@ -4622,7 +4893,7 @@
         <p:spPr>
           <a:xfrm flipV="1">
             <a:off x="6321682" y="1827491"/>
-            <a:ext cx="0" cy="551353"/>
+            <a:ext cx="0" cy="528235"/>
           </a:xfrm>
           <a:prstGeom prst="straightConnector1">
             <a:avLst/>
@@ -4668,7 +4939,7 @@
         <p:spPr>
           <a:xfrm flipV="1">
             <a:off x="5021904" y="1828959"/>
-            <a:ext cx="0" cy="547975"/>
+            <a:ext cx="0" cy="526767"/>
           </a:xfrm>
           <a:prstGeom prst="straightConnector1">
             <a:avLst/>
@@ -4679,6 +4950,96 @@
             </a:solidFill>
             <a:headEnd type="none" w="med" len="med"/>
             <a:tailEnd type="arrow" w="med" len="med"/>
+          </a:ln>
+        </p:spPr>
+        <p:style>
+          <a:lnRef idx="1">
+            <a:schemeClr val="accent1"/>
+          </a:lnRef>
+          <a:fillRef idx="0">
+            <a:schemeClr val="accent1"/>
+          </a:fillRef>
+          <a:effectRef idx="0">
+            <a:schemeClr val="accent1"/>
+          </a:effectRef>
+          <a:fontRef idx="minor">
+            <a:schemeClr val="tx1"/>
+          </a:fontRef>
+        </p:style>
+      </p:cxnSp>
+      <p:cxnSp>
+        <p:nvCxnSpPr>
+          <p:cNvPr id="56" name="직선 화살표 연결선 55">
+            <a:extLst>
+              <a:ext uri="{FF2B5EF4-FFF2-40B4-BE49-F238E27FC236}">
+                <a16:creationId xmlns:a16="http://schemas.microsoft.com/office/drawing/2014/main" id="{2EC5553E-316A-450A-ABBE-0D1F7207ACE6}"/>
+              </a:ext>
+            </a:extLst>
+          </p:cNvPr>
+          <p:cNvCxnSpPr>
+            <a:cxnSpLocks/>
+          </p:cNvCxnSpPr>
+          <p:nvPr/>
+        </p:nvCxnSpPr>
+        <p:spPr>
+          <a:xfrm>
+            <a:off x="3419872" y="2355726"/>
+            <a:ext cx="0" cy="637613"/>
+          </a:xfrm>
+          <a:prstGeom prst="straightConnector1">
+            <a:avLst/>
+          </a:prstGeom>
+          <a:ln w="19050">
+            <a:solidFill>
+              <a:schemeClr val="tx2"/>
+            </a:solidFill>
+            <a:headEnd type="none" w="med" len="med"/>
+            <a:tailEnd type="none" w="med" len="med"/>
+          </a:ln>
+        </p:spPr>
+        <p:style>
+          <a:lnRef idx="1">
+            <a:schemeClr val="accent1"/>
+          </a:lnRef>
+          <a:fillRef idx="0">
+            <a:schemeClr val="accent1"/>
+          </a:fillRef>
+          <a:effectRef idx="0">
+            <a:schemeClr val="accent1"/>
+          </a:effectRef>
+          <a:fontRef idx="minor">
+            <a:schemeClr val="tx1"/>
+          </a:fontRef>
+        </p:style>
+      </p:cxnSp>
+      <p:cxnSp>
+        <p:nvCxnSpPr>
+          <p:cNvPr id="58" name="직선 화살표 연결선 57">
+            <a:extLst>
+              <a:ext uri="{FF2B5EF4-FFF2-40B4-BE49-F238E27FC236}">
+                <a16:creationId xmlns:a16="http://schemas.microsoft.com/office/drawing/2014/main" id="{52D95123-4695-42F1-B076-054CC3FD134B}"/>
+              </a:ext>
+            </a:extLst>
+          </p:cNvPr>
+          <p:cNvCxnSpPr>
+            <a:cxnSpLocks/>
+          </p:cNvCxnSpPr>
+          <p:nvPr/>
+        </p:nvCxnSpPr>
+        <p:spPr>
+          <a:xfrm>
+            <a:off x="5724128" y="2355726"/>
+            <a:ext cx="0" cy="637613"/>
+          </a:xfrm>
+          <a:prstGeom prst="straightConnector1">
+            <a:avLst/>
+          </a:prstGeom>
+          <a:ln w="19050">
+            <a:solidFill>
+              <a:schemeClr val="tx2"/>
+            </a:solidFill>
+            <a:headEnd type="none" w="med" len="med"/>
+            <a:tailEnd type="none" w="med" len="med"/>
           </a:ln>
         </p:spPr>
         <p:style>
